--- a/resources/recurrent_neural_networks_april_2020.pptx
+++ b/resources/recurrent_neural_networks_april_2020.pptx
@@ -230,7 +230,7 @@
           <a:p>
             <a:fld id="{4F696640-AB03-4BAB-888B-C7D06D21FD74}" type="datetimeFigureOut">
               <a:rPr lang="en-US" smtClean="0"/>
-              <a:t>4/13/20</a:t>
+              <a:t>4/14/20</a:t>
             </a:fld>
             <a:endParaRPr lang="en-US"/>
           </a:p>
@@ -644,7 +644,7 @@
           <a:p>
             <a:fld id="{EDAC19CB-D40A-420E-93A6-38FF01F134FF}" type="datetime1">
               <a:rPr lang="en-US" smtClean="0"/>
-              <a:t>4/13/20</a:t>
+              <a:t>4/14/20</a:t>
             </a:fld>
             <a:endParaRPr lang="en-US"/>
           </a:p>
@@ -842,7 +842,7 @@
           <a:p>
             <a:fld id="{874FA906-5A86-4070-8280-1DAD9EACB991}" type="datetime1">
               <a:rPr lang="en-US" smtClean="0"/>
-              <a:t>4/13/20</a:t>
+              <a:t>4/14/20</a:t>
             </a:fld>
             <a:endParaRPr lang="en-US"/>
           </a:p>
@@ -1050,7 +1050,7 @@
           <a:p>
             <a:fld id="{A02B2215-16B9-48C3-971F-EC2E1304B527}" type="datetime1">
               <a:rPr lang="en-US" smtClean="0"/>
-              <a:t>4/13/20</a:t>
+              <a:t>4/14/20</a:t>
             </a:fld>
             <a:endParaRPr lang="en-US"/>
           </a:p>
@@ -1248,7 +1248,7 @@
           <a:p>
             <a:fld id="{C7D23BAA-ACEB-448B-AAAB-B28D67A06525}" type="datetime1">
               <a:rPr lang="en-US" smtClean="0"/>
-              <a:t>4/13/20</a:t>
+              <a:t>4/14/20</a:t>
             </a:fld>
             <a:endParaRPr lang="en-US"/>
           </a:p>
@@ -1523,7 +1523,7 @@
           <a:p>
             <a:fld id="{8DB56835-D6E2-4107-BEE4-41AACAD59459}" type="datetime1">
               <a:rPr lang="en-US" smtClean="0"/>
-              <a:t>4/13/20</a:t>
+              <a:t>4/14/20</a:t>
             </a:fld>
             <a:endParaRPr lang="en-US"/>
           </a:p>
@@ -1788,7 +1788,7 @@
           <a:p>
             <a:fld id="{5D408C5B-F78E-4B8C-859F-E2E54F0B1793}" type="datetime1">
               <a:rPr lang="en-US" smtClean="0"/>
-              <a:t>4/13/20</a:t>
+              <a:t>4/14/20</a:t>
             </a:fld>
             <a:endParaRPr lang="en-US"/>
           </a:p>
@@ -2200,7 +2200,7 @@
           <a:p>
             <a:fld id="{AE96B5EA-C1AC-47A8-A776-0166F8A109FD}" type="datetime1">
               <a:rPr lang="en-US" smtClean="0"/>
-              <a:t>4/13/20</a:t>
+              <a:t>4/14/20</a:t>
             </a:fld>
             <a:endParaRPr lang="en-US"/>
           </a:p>
@@ -2341,7 +2341,7 @@
           <a:p>
             <a:fld id="{EC915E88-C1A0-42AF-BBF1-690065E44112}" type="datetime1">
               <a:rPr lang="en-US" smtClean="0"/>
-              <a:t>4/13/20</a:t>
+              <a:t>4/14/20</a:t>
             </a:fld>
             <a:endParaRPr lang="en-US"/>
           </a:p>
@@ -2454,7 +2454,7 @@
           <a:p>
             <a:fld id="{D5EC4029-BD63-48E9-B1D3-E97597E9FEEE}" type="datetime1">
               <a:rPr lang="en-US" smtClean="0"/>
-              <a:t>4/13/20</a:t>
+              <a:t>4/14/20</a:t>
             </a:fld>
             <a:endParaRPr lang="en-US"/>
           </a:p>
@@ -2765,7 +2765,7 @@
           <a:p>
             <a:fld id="{A3DB77D0-2BDE-48A4-A87E-F1DDBE10E394}" type="datetime1">
               <a:rPr lang="en-US" smtClean="0"/>
-              <a:t>4/13/20</a:t>
+              <a:t>4/14/20</a:t>
             </a:fld>
             <a:endParaRPr lang="en-US"/>
           </a:p>
@@ -3053,7 +3053,7 @@
           <a:p>
             <a:fld id="{ADEAC591-FB41-46D7-9D76-361AEA9BD7B1}" type="datetime1">
               <a:rPr lang="en-US" smtClean="0"/>
-              <a:t>4/13/20</a:t>
+              <a:t>4/14/20</a:t>
             </a:fld>
             <a:endParaRPr lang="en-US"/>
           </a:p>
@@ -3294,7 +3294,7 @@
           <a:p>
             <a:fld id="{C32C5A9A-FE92-4A5A-B3E9-CE76145E2104}" type="datetime1">
               <a:rPr lang="en-US" smtClean="0"/>
-              <a:t>4/13/20</a:t>
+              <a:t>4/14/20</a:t>
             </a:fld>
             <a:endParaRPr lang="en-US"/>
           </a:p>
@@ -3728,7 +3728,12 @@
             <p:ph type="ctrTitle"/>
           </p:nvPr>
         </p:nvSpPr>
-        <p:spPr/>
+        <p:spPr>
+          <a:xfrm>
+            <a:off x="1267266" y="868362"/>
+            <a:ext cx="10086534" cy="2387600"/>
+          </a:xfrm>
+        </p:spPr>
         <p:txBody>
           <a:bodyPr>
             <a:noAutofit/>
@@ -3744,7 +3749,14 @@
             </a:br>
             <a:r>
               <a:rPr lang="en-US" sz="4400" dirty="0"/>
-              <a:t>Recurrent Neural Networks: Overview, Implementation, and Application</a:t>
+              <a:t>Recurrent Neural Networks: </a:t>
+            </a:r>
+            <a:br>
+              <a:rPr lang="en-US" sz="4400" dirty="0"/>
+            </a:br>
+            <a:r>
+              <a:rPr lang="en-US" sz="4400" dirty="0"/>
+              <a:t>Overview, Implementation, and Application</a:t>
             </a:r>
           </a:p>
         </p:txBody>
@@ -4795,7 +4807,7 @@
         </p:blipFill>
         <p:spPr>
           <a:xfrm>
-            <a:off x="1178741" y="5902408"/>
+            <a:off x="1279639" y="5960427"/>
             <a:ext cx="3593106" cy="578485"/>
           </a:xfrm>
           <a:prstGeom prst="rect">
@@ -4817,7 +4829,7 @@
         </p:nvSpPr>
         <p:spPr>
           <a:xfrm>
-            <a:off x="4779434" y="6032997"/>
+            <a:off x="4731354" y="6092765"/>
             <a:ext cx="3408555" cy="400110"/>
           </a:xfrm>
           <a:prstGeom prst="rect">
@@ -6715,8 +6727,8 @@
           </a:p>
         </p:txBody>
       </p:sp>
-      <mc:AlternateContent xmlns:mc="http://schemas.openxmlformats.org/markup-compatibility/2006" xmlns:a14="http://schemas.microsoft.com/office/drawing/2010/main">
-        <mc:Choice Requires="a14">
+      <mc:AlternateContent xmlns:mc="http://schemas.openxmlformats.org/markup-compatibility/2006">
+        <mc:Choice xmlns:a14="http://schemas.microsoft.com/office/drawing/2010/main" Requires="a14">
           <p:sp>
             <p:nvSpPr>
               <p:cNvPr id="3" name="Content Placeholder 2">
@@ -6733,7 +6745,12 @@
                 <p:ph idx="1"/>
               </p:nvPr>
             </p:nvSpPr>
-            <p:spPr/>
+            <p:spPr>
+              <a:xfrm>
+                <a:off x="838200" y="1825625"/>
+                <a:ext cx="10515600" cy="4351338"/>
+              </a:xfrm>
+            </p:spPr>
             <p:txBody>
               <a:bodyPr/>
               <a:lstStyle/>
@@ -6744,8 +6761,15 @@
                 </a:r>
                 <a:r>
                   <a:rPr lang="en-US" dirty="0"/>
-                  <a:t>: Decide what information to throw away from the cell state (memory)</a:t>
+                  <a:t>: Decide what information to throw away from the cell state (memory) </a:t>
                 </a:r>
+                <a:r>
+                  <a:rPr lang="en-US" dirty="0">
+                    <a:sym typeface="Wingdings" pitchFamily="2" charset="2"/>
+                  </a:rPr>
+                  <a:t></a:t>
+                </a:r>
+                <a:endParaRPr lang="en-US" dirty="0"/>
               </a:p>
               <a:p>
                 <a:pPr lvl="1"/>
@@ -6962,7 +6986,7 @@
             </p:txBody>
           </p:sp>
         </mc:Choice>
-        <mc:Fallback xmlns="">
+        <mc:Fallback>
           <p:sp>
             <p:nvSpPr>
               <p:cNvPr id="3" name="Content Placeholder 2">
@@ -6980,10 +7004,14 @@
               </p:nvPr>
             </p:nvSpPr>
             <p:spPr>
+              <a:xfrm>
+                <a:off x="838200" y="1825625"/>
+                <a:ext cx="10515600" cy="4351338"/>
+              </a:xfrm>
               <a:blipFill>
                 <a:blip r:embed="rId2"/>
                 <a:stretch>
-                  <a:fillRect l="-1043" t="-2241"/>
+                  <a:fillRect l="-965" t="-2632"/>
                 </a:stretch>
               </a:blipFill>
             </p:spPr>
@@ -7532,8 +7560,38 @@
         </p:blipFill>
         <p:spPr>
           <a:xfrm>
-            <a:off x="4163024" y="4964497"/>
-            <a:ext cx="3319194" cy="748069"/>
+            <a:off x="4263455" y="5079566"/>
+            <a:ext cx="3144805" cy="748069"/>
+          </a:xfrm>
+          <a:prstGeom prst="rect">
+            <a:avLst/>
+          </a:prstGeom>
+        </p:spPr>
+      </p:pic>
+      <p:pic>
+        <p:nvPicPr>
+          <p:cNvPr id="13" name="Picture 12">
+            <a:extLst>
+              <a:ext uri="{FF2B5EF4-FFF2-40B4-BE49-F238E27FC236}">
+                <a16:creationId xmlns:a16="http://schemas.microsoft.com/office/drawing/2014/main" id="{716DEEBE-91BE-D44B-9284-40B702D51871}"/>
+              </a:ext>
+            </a:extLst>
+          </p:cNvPr>
+          <p:cNvPicPr>
+            <a:picLocks noChangeAspect="1"/>
+          </p:cNvPicPr>
+          <p:nvPr/>
+        </p:nvPicPr>
+        <p:blipFill>
+          <a:blip r:embed="rId8"/>
+          <a:stretch>
+            <a:fillRect/>
+          </a:stretch>
+        </p:blipFill>
+        <p:spPr>
+          <a:xfrm>
+            <a:off x="3125077" y="2149971"/>
+            <a:ext cx="1224935" cy="536958"/>
           </a:xfrm>
           <a:prstGeom prst="rect">
             <a:avLst/>
@@ -7598,8 +7656,8 @@
           </a:p>
         </p:txBody>
       </p:sp>
-      <mc:AlternateContent xmlns:mc="http://schemas.openxmlformats.org/markup-compatibility/2006" xmlns:a14="http://schemas.microsoft.com/office/drawing/2010/main">
-        <mc:Choice Requires="a14">
+      <mc:AlternateContent xmlns:mc="http://schemas.openxmlformats.org/markup-compatibility/2006">
+        <mc:Choice xmlns:a14="http://schemas.microsoft.com/office/drawing/2010/main" Requires="a14">
           <p:sp>
             <p:nvSpPr>
               <p:cNvPr id="3" name="Content Placeholder 2">
@@ -7627,8 +7685,24 @@
                 </a:r>
                 <a:r>
                   <a:rPr lang="en-US" dirty="0"/>
-                  <a:t>: Prepare the updates for the cell state</a:t>
+                  <a:t>: Prepare the updates for the cell state </a:t>
                 </a:r>
+              </a:p>
+              <a:p>
+                <a:pPr marL="0" indent="0">
+                  <a:buNone/>
+                </a:pPr>
+                <a:r>
+                  <a:rPr lang="en-US" dirty="0"/>
+                  <a:t>                 from input </a:t>
+                </a:r>
+                <a:r>
+                  <a:rPr lang="en-US" dirty="0">
+                    <a:sym typeface="Wingdings" pitchFamily="2" charset="2"/>
+                  </a:rPr>
+                  <a:t></a:t>
+                </a:r>
+                <a:endParaRPr lang="en-US" dirty="0"/>
               </a:p>
               <a:p>
                 <a:pPr lvl="1"/>
@@ -7755,10 +7829,6 @@
                 </a:r>
               </a:p>
               <a:p>
-                <a:pPr lvl="2"/>
-                <a:endParaRPr lang="en-US" dirty="0"/>
-              </a:p>
-              <a:p>
                 <a:pPr lvl="1"/>
                 <a:r>
                   <a:rPr lang="en-US" dirty="0"/>
@@ -7812,7 +7882,7 @@
             </p:txBody>
           </p:sp>
         </mc:Choice>
-        <mc:Fallback xmlns="">
+        <mc:Fallback>
           <p:sp>
             <p:nvSpPr>
               <p:cNvPr id="3" name="Content Placeholder 2">
@@ -7833,7 +7903,7 @@
               <a:blipFill>
                 <a:blip r:embed="rId2"/>
                 <a:stretch>
-                  <a:fillRect l="-1043" t="-2241"/>
+                  <a:fillRect l="-965" t="-2632"/>
                 </a:stretch>
               </a:blipFill>
             </p:spPr>
@@ -8382,6 +8452,36 @@
           </a:prstGeom>
         </p:spPr>
       </p:pic>
+      <p:pic>
+        <p:nvPicPr>
+          <p:cNvPr id="5" name="Picture 4">
+            <a:extLst>
+              <a:ext uri="{FF2B5EF4-FFF2-40B4-BE49-F238E27FC236}">
+                <a16:creationId xmlns:a16="http://schemas.microsoft.com/office/drawing/2014/main" id="{484E6AEF-7CDA-4346-9298-2CEA8BBD260C}"/>
+              </a:ext>
+            </a:extLst>
+          </p:cNvPr>
+          <p:cNvPicPr>
+            <a:picLocks noChangeAspect="1"/>
+          </p:cNvPicPr>
+          <p:nvPr/>
+        </p:nvPicPr>
+        <p:blipFill>
+          <a:blip r:embed="rId8"/>
+          <a:stretch>
+            <a:fillRect/>
+          </a:stretch>
+        </p:blipFill>
+        <p:spPr>
+          <a:xfrm>
+            <a:off x="4432851" y="2303450"/>
+            <a:ext cx="1021959" cy="518361"/>
+          </a:xfrm>
+          <a:prstGeom prst="rect">
+            <a:avLst/>
+          </a:prstGeom>
+        </p:spPr>
+      </p:pic>
     </p:spTree>
     <p:extLst>
       <p:ext uri="{BB962C8B-B14F-4D97-AF65-F5344CB8AC3E}">
@@ -8440,8 +8540,8 @@
           </a:p>
         </p:txBody>
       </p:sp>
-      <mc:AlternateContent xmlns:mc="http://schemas.openxmlformats.org/markup-compatibility/2006" xmlns:a14="http://schemas.microsoft.com/office/drawing/2010/main">
-        <mc:Choice Requires="a14">
+      <mc:AlternateContent xmlns:mc="http://schemas.openxmlformats.org/markup-compatibility/2006">
+        <mc:Choice xmlns:a14="http://schemas.microsoft.com/office/drawing/2010/main" Requires="a14">
           <p:sp>
             <p:nvSpPr>
               <p:cNvPr id="3" name="Content Placeholder 2">
@@ -8469,8 +8569,15 @@
                 </a:r>
                 <a:r>
                   <a:rPr lang="en-US" dirty="0"/>
-                  <a:t>: Update the cell state</a:t>
+                  <a:t>: Update the cell state </a:t>
                 </a:r>
+                <a:r>
+                  <a:rPr lang="en-US" dirty="0">
+                    <a:sym typeface="Wingdings" pitchFamily="2" charset="2"/>
+                  </a:rPr>
+                  <a:t> </a:t>
+                </a:r>
+                <a:endParaRPr lang="en-US" dirty="0"/>
               </a:p>
               <a:p>
                 <a:pPr lvl="1"/>
@@ -8687,7 +8794,7 @@
             </p:txBody>
           </p:sp>
         </mc:Choice>
-        <mc:Fallback xmlns="">
+        <mc:Fallback>
           <p:sp>
             <p:nvSpPr>
               <p:cNvPr id="3" name="Content Placeholder 2">
@@ -8708,7 +8815,7 @@
               <a:blipFill>
                 <a:blip r:embed="rId2"/>
                 <a:stretch>
-                  <a:fillRect l="-1043" t="-2241"/>
+                  <a:fillRect l="-965" t="-2924"/>
                 </a:stretch>
               </a:blipFill>
             </p:spPr>
@@ -9292,6 +9399,36 @@
           </a:prstGeom>
         </p:spPr>
       </p:pic>
+      <p:pic>
+        <p:nvPicPr>
+          <p:cNvPr id="6" name="Picture 5">
+            <a:extLst>
+              <a:ext uri="{FF2B5EF4-FFF2-40B4-BE49-F238E27FC236}">
+                <a16:creationId xmlns:a16="http://schemas.microsoft.com/office/drawing/2014/main" id="{425A6DD8-7786-B544-BC20-00B5FD5FE2CA}"/>
+              </a:ext>
+            </a:extLst>
+          </p:cNvPr>
+          <p:cNvPicPr>
+            <a:picLocks noChangeAspect="1"/>
+          </p:cNvPicPr>
+          <p:nvPr/>
+        </p:nvPicPr>
+        <p:blipFill>
+          <a:blip r:embed="rId8"/>
+          <a:stretch>
+            <a:fillRect/>
+          </a:stretch>
+        </p:blipFill>
+        <p:spPr>
+          <a:xfrm>
+            <a:off x="5880882" y="1824049"/>
+            <a:ext cx="2095500" cy="463078"/>
+          </a:xfrm>
+          <a:prstGeom prst="rect">
+            <a:avLst/>
+          </a:prstGeom>
+        </p:spPr>
+      </p:pic>
     </p:spTree>
     <p:extLst>
       <p:ext uri="{BB962C8B-B14F-4D97-AF65-F5344CB8AC3E}">
@@ -9350,8 +9487,8 @@
           </a:p>
         </p:txBody>
       </p:sp>
-      <mc:AlternateContent xmlns:mc="http://schemas.openxmlformats.org/markup-compatibility/2006" xmlns:a14="http://schemas.microsoft.com/office/drawing/2010/main">
-        <mc:Choice Requires="a14">
+      <mc:AlternateContent xmlns:mc="http://schemas.openxmlformats.org/markup-compatibility/2006">
+        <mc:Choice xmlns:a14="http://schemas.microsoft.com/office/drawing/2010/main" Requires="a14">
           <p:sp>
             <p:nvSpPr>
               <p:cNvPr id="3" name="Content Placeholder 2">
@@ -9376,7 +9513,7 @@
             </p:spPr>
             <p:txBody>
               <a:bodyPr>
-                <a:normAutofit lnSpcReduction="10000"/>
+                <a:normAutofit fontScale="92500" lnSpcReduction="10000"/>
               </a:bodyPr>
               <a:lstStyle/>
               <a:p>
@@ -9386,8 +9523,24 @@
                 </a:r>
                 <a:r>
                   <a:rPr lang="en-US" dirty="0"/>
-                  <a:t>: Decide the filtered output from the new cell state</a:t>
+                  <a:t>: Decide the filtered output from the </a:t>
                 </a:r>
+              </a:p>
+              <a:p>
+                <a:pPr marL="0" indent="0">
+                  <a:buNone/>
+                </a:pPr>
+                <a:r>
+                  <a:rPr lang="en-US" dirty="0"/>
+                  <a:t>                 new cell state </a:t>
+                </a:r>
+                <a:r>
+                  <a:rPr lang="en-US" dirty="0">
+                    <a:sym typeface="Wingdings" pitchFamily="2" charset="2"/>
+                  </a:rPr>
+                  <a:t> </a:t>
+                </a:r>
+                <a:endParaRPr lang="en-US" dirty="0"/>
               </a:p>
               <a:p>
                 <a:pPr lvl="1"/>
@@ -9471,9 +9624,6 @@
                   </a:rPr>
                   <a:t>Minor details  0</a:t>
                 </a:r>
-              </a:p>
-              <a:p>
-                <a:pPr lvl="2"/>
                 <a:endParaRPr lang="en-US" dirty="0"/>
               </a:p>
               <a:p>
@@ -9583,7 +9733,7 @@
             </p:txBody>
           </p:sp>
         </mc:Choice>
-        <mc:Fallback xmlns="">
+        <mc:Fallback>
           <p:sp>
             <p:nvSpPr>
               <p:cNvPr id="3" name="Content Placeholder 2">
@@ -9608,7 +9758,7 @@
               <a:blipFill>
                 <a:blip r:embed="rId2"/>
                 <a:stretch>
-                  <a:fillRect l="-1043" t="-4783" b="-2609"/>
+                  <a:fillRect l="-844" t="-4525" b="-1810"/>
                 </a:stretch>
               </a:blipFill>
             </p:spPr>
@@ -10102,8 +10252,38 @@
         </p:blipFill>
         <p:spPr>
           <a:xfrm>
-            <a:off x="4405862" y="5106573"/>
+            <a:off x="4405861" y="5130665"/>
             <a:ext cx="3380276" cy="1015830"/>
+          </a:xfrm>
+          <a:prstGeom prst="rect">
+            <a:avLst/>
+          </a:prstGeom>
+        </p:spPr>
+      </p:pic>
+      <p:pic>
+        <p:nvPicPr>
+          <p:cNvPr id="5" name="Picture 4">
+            <a:extLst>
+              <a:ext uri="{FF2B5EF4-FFF2-40B4-BE49-F238E27FC236}">
+                <a16:creationId xmlns:a16="http://schemas.microsoft.com/office/drawing/2014/main" id="{5A8A72C8-F735-3146-81C8-DF0438B7DED7}"/>
+              </a:ext>
+            </a:extLst>
+          </p:cNvPr>
+          <p:cNvPicPr>
+            <a:picLocks noChangeAspect="1"/>
+          </p:cNvPicPr>
+          <p:nvPr/>
+        </p:nvPicPr>
+        <p:blipFill>
+          <a:blip r:embed="rId8"/>
+          <a:stretch>
+            <a:fillRect/>
+          </a:stretch>
+        </p:blipFill>
+        <p:spPr>
+          <a:xfrm>
+            <a:off x="4786726" y="2204926"/>
+            <a:ext cx="1965766" cy="415644"/>
           </a:xfrm>
           <a:prstGeom prst="rect">
             <a:avLst/>
@@ -11043,7 +11223,7 @@
           <a:p>
             <a:r>
               <a:rPr lang="en-US" dirty="0"/>
-              <a:t>I. Witten, e al., “Data Mining,” 2017</a:t>
+              <a:t>I. Witten, et al., “Data Mining,” 2017</a:t>
             </a:r>
           </a:p>
           <a:p>
@@ -12505,7 +12685,16 @@
             <a:pPr lvl="1"/>
             <a:r>
               <a:rPr lang="en-US" dirty="0"/>
-              <a:t>Apply to tasks such as machine translation</a:t>
+              <a:t>Apply to tasks such as machine </a:t>
+            </a:r>
+          </a:p>
+          <a:p>
+            <a:pPr marL="457200" lvl="1" indent="0">
+              <a:buNone/>
+            </a:pPr>
+            <a:r>
+              <a:rPr lang="en-US" dirty="0"/>
+              <a:t>     translation</a:t>
             </a:r>
           </a:p>
           <a:p>
@@ -16219,7 +16408,15 @@
             <a:pPr lvl="1"/>
             <a:r>
               <a:rPr lang="en-US" b="1" dirty="0"/>
-              <a:t>High-level (HL) ADLs: preparing food, medical intake, etc.</a:t>
+              <a:t>High-level (HL) ADLs: preparing food, medical intake, </a:t>
+            </a:r>
+            <a:r>
+              <a:rPr lang="en-US" b="1"/>
+              <a:t>senior care, etc</a:t>
+            </a:r>
+            <a:r>
+              <a:rPr lang="en-US" b="1" dirty="0"/>
+              <a:t>.</a:t>
             </a:r>
           </a:p>
           <a:p>
@@ -21282,8 +21479,8 @@
           </a:p>
         </p:txBody>
       </p:sp>
-      <mc:AlternateContent xmlns:mc="http://schemas.openxmlformats.org/markup-compatibility/2006" xmlns:a14="http://schemas.microsoft.com/office/drawing/2010/main">
-        <mc:Choice Requires="a14">
+      <mc:AlternateContent xmlns:mc="http://schemas.openxmlformats.org/markup-compatibility/2006">
+        <mc:Choice xmlns:a14="http://schemas.microsoft.com/office/drawing/2010/main" Requires="a14">
           <p:sp>
             <p:nvSpPr>
               <p:cNvPr id="19" name="TextBox 18">
@@ -21358,6 +21555,24 @@
                         </m:ctrlPr>
                       </m:sSubPr>
                       <m:e>
+                        <m:r>
+                          <a:rPr lang="en-US" sz="2400" b="0" i="1" smtClean="0">
+                            <a:solidFill>
+                              <a:srgbClr val="FF0000"/>
+                            </a:solidFill>
+                            <a:latin typeface="Cambria Math" panose="02040503050406030204" pitchFamily="18" charset="0"/>
+                          </a:rPr>
+                          <m:t>𝑜𝑢𝑡𝑝𝑢𝑡</m:t>
+                        </m:r>
+                        <m:r>
+                          <a:rPr lang="en-US" sz="2400" b="0" i="1" smtClean="0">
+                            <a:solidFill>
+                              <a:srgbClr val="FF0000"/>
+                            </a:solidFill>
+                            <a:latin typeface="Cambria Math" panose="02040503050406030204" pitchFamily="18" charset="0"/>
+                          </a:rPr>
+                          <m:t> </m:t>
+                        </m:r>
                         <m:r>
                           <a:rPr lang="en-US" sz="2400" b="0" i="1" smtClean="0">
                             <a:solidFill>
@@ -21485,7 +21700,7 @@
             </p:txBody>
           </p:sp>
         </mc:Choice>
-        <mc:Fallback xmlns="">
+        <mc:Fallback>
           <p:sp>
             <p:nvSpPr>
               <p:cNvPr id="19" name="TextBox 18">
